--- a/Towards a more functional C#.pptx
+++ b/Towards a more functional C#.pptx
@@ -5,29 +5,27 @@
     <p:sldMasterId id="2147483648" r:id="rId1"/>
   </p:sldMasterIdLst>
   <p:notesMasterIdLst>
-    <p:notesMasterId r:id="rId7"/>
+    <p:notesMasterId r:id="rId5"/>
   </p:notesMasterIdLst>
   <p:handoutMasterIdLst>
-    <p:handoutMasterId r:id="rId8"/>
+    <p:handoutMasterId r:id="rId6"/>
   </p:handoutMasterIdLst>
   <p:sldIdLst>
     <p:sldId id="256" r:id="rId2"/>
-    <p:sldId id="260" r:id="rId3"/>
-    <p:sldId id="266" r:id="rId4"/>
-    <p:sldId id="261" r:id="rId5"/>
-    <p:sldId id="265" r:id="rId6"/>
+    <p:sldId id="261" r:id="rId3"/>
+    <p:sldId id="265" r:id="rId4"/>
   </p:sldIdLst>
   <p:sldSz cx="9144000" cy="6858000" type="screen4x3"/>
   <p:notesSz cx="6858000" cy="9144000"/>
   <p:embeddedFontLst>
     <p:embeddedFont>
-      <p:font typeface="AA Zuehlke" panose="020B0604020202020204" charset="0"/>
-      <p:regular r:id="rId9"/>
-      <p:italic r:id="rId10"/>
+      <p:font typeface="AA Zuehlke" panose="02000503060000020004" pitchFamily="2" charset="0"/>
+      <p:regular r:id="rId7"/>
+      <p:italic r:id="rId8"/>
     </p:embeddedFont>
   </p:embeddedFontLst>
   <p:custDataLst>
-    <p:tags r:id="rId11"/>
+    <p:tags r:id="rId9"/>
   </p:custDataLst>
   <p:defaultTextStyle>
     <a:defPPr>
@@ -268,7 +266,7 @@
               <a:rPr lang="de-DE" smtClean="0">
                 <a:latin typeface="AA Zuehlke" pitchFamily="2" charset="0"/>
               </a:rPr>
-              <a:t>29.01.2016</a:t>
+              <a:t>31.08.2016</a:t>
             </a:fld>
             <a:endParaRPr lang="de-DE">
               <a:latin typeface="AA Zuehlke" pitchFamily="2" charset="0"/>
@@ -446,7 +444,7 @@
             <a:fld id="{A6966AE6-B72D-4967-9CA3-8469D2863705}" type="datetimeFigureOut">
               <a:rPr lang="en-US" smtClean="0"/>
               <a:pPr/>
-              <a:t>2016-01-29</a:t>
+              <a:t>8/31/2016</a:t>
             </a:fld>
             <a:endParaRPr lang="en-US" dirty="0"/>
           </a:p>
@@ -800,7 +798,7 @@
       </p:sp>
       <p:pic>
         <p:nvPicPr>
-          <p:cNvPr id="3" name="Picture 2"/>
+          <p:cNvPr id="4" name="Picture 3"/>
           <p:cNvPicPr>
             <a:picLocks noChangeAspect="1"/>
           </p:cNvPicPr>
@@ -1062,7 +1060,7 @@
       </p:sp>
       <p:pic>
         <p:nvPicPr>
-          <p:cNvPr id="4" name="Picture 3"/>
+          <p:cNvPr id="5" name="Picture 4"/>
           <p:cNvPicPr>
             <a:picLocks noChangeAspect="1"/>
           </p:cNvPicPr>
@@ -1201,7 +1199,7 @@
       </p:sp>
       <p:pic>
         <p:nvPicPr>
-          <p:cNvPr id="3" name="Picture 2"/>
+          <p:cNvPr id="5" name="Picture 4"/>
           <p:cNvPicPr>
             <a:picLocks noChangeAspect="1"/>
           </p:cNvPicPr>
@@ -2648,7 +2646,7 @@
       </p:sp>
       <p:pic>
         <p:nvPicPr>
-          <p:cNvPr id="4" name="Picture 3"/>
+          <p:cNvPr id="5" name="Picture 4"/>
           <p:cNvPicPr>
             <a:picLocks noChangeAspect="1"/>
           </p:cNvPicPr>
@@ -3770,8 +3768,16 @@
                 <a:ea typeface="+mn-ea"/>
                 <a:cs typeface="+mn-cs"/>
               </a:rPr>
-              <a:t>© Zühlke 2015</a:t>
-            </a:r>
+              <a:t>© Zühlke 2016</a:t>
+            </a:r>
+            <a:endParaRPr lang="de-CH" sz="700" kern="1200" noProof="1" smtClean="0">
+              <a:solidFill>
+                <a:srgbClr val="4D4D4D"/>
+              </a:solidFill>
+              <a:latin typeface="AA Zuehlke" pitchFamily="2" charset="0"/>
+              <a:ea typeface="+mn-ea"/>
+              <a:cs typeface="+mn-cs"/>
+            </a:endParaRPr>
           </a:p>
         </p:txBody>
       </p:sp>
@@ -3814,8 +3820,8 @@
           <a:p>
             <a:pPr lvl="0"/>
             <a:r>
-              <a:rPr lang="de-CH" smtClean="0"/>
-              <a:t>Reactive Programming with .NET | Jonathan Ziller</a:t>
+              <a:rPr lang="en-US" smtClean="0"/>
+              <a:t>Towards a more functional C# | Jonathan Ziller</a:t>
             </a:r>
             <a:endParaRPr lang="de-CH" dirty="0" smtClean="0"/>
           </a:p>
@@ -3861,7 +3867,7 @@
             <a:pPr lvl="0"/>
             <a:r>
               <a:rPr lang="de-CH" smtClean="0"/>
-              <a:t>27. November 2015</a:t>
+              <a:t>31. August 2016</a:t>
             </a:r>
             <a:endParaRPr lang="de-CH" dirty="0" smtClean="0"/>
           </a:p>
@@ -3909,7 +3915,7 @@
               <a:rPr lang="de-CH" smtClean="0"/>
               <a:t>Slide </a:t>
             </a:r>
-            <a:fld id="{DE4A5423-2C62-46F6-B8CD-5366705CF806}" type="slidenum">
+            <a:fld id="{EFAEADCF-33D8-405C-AA5E-9D6199F82FD6}" type="slidenum">
               <a:rPr lang="de-CH" smtClean="0"/>
               <a:t>‹#›</a:t>
             </a:fld>
@@ -4252,11 +4258,7 @@
           <a:p>
             <a:r>
               <a:rPr lang="en-GB" dirty="0" smtClean="0"/>
-              <a:t>Reactive </a:t>
-            </a:r>
-            <a:r>
-              <a:rPr lang="en-GB" dirty="0" smtClean="0"/>
-              <a:t>Solutions with Rx</a:t>
+              <a:t>Towards a more functional C#</a:t>
             </a:r>
             <a:endParaRPr lang="en-GB" dirty="0"/>
           </a:p>
@@ -4264,14 +4266,14 @@
       </p:sp>
       <p:pic>
         <p:nvPicPr>
-          <p:cNvPr id="4" name="Picture 2" descr="http://media.rehansaeed.com/rehansaeed/2014/02/Reactive-Extensions.png"/>
+          <p:cNvPr id="1026" name="Picture 2" descr="http://kukuruku.co/uploads/images/00/00/01/2014/05/19/x273d628c63.png.pagespeed.ic.F6W1E9LshK.png"/>
           <p:cNvPicPr>
             <a:picLocks noChangeAspect="1" noChangeArrowheads="1"/>
           </p:cNvPicPr>
           <p:nvPr/>
         </p:nvPicPr>
         <p:blipFill>
-          <a:blip r:embed="rId2" cstate="print">
+          <a:blip r:embed="rId2">
             <a:extLst>
               <a:ext uri="{28A0092B-C50C-407E-A947-70E740481C1C}">
                 <a14:useLocalDpi xmlns:a14="http://schemas.microsoft.com/office/drawing/2010/main" val="0"/>
@@ -4285,8 +4287,8 @@
         </p:blipFill>
         <p:spPr bwMode="auto">
           <a:xfrm>
-            <a:off x="1043608" y="1412776"/>
-            <a:ext cx="5251146" cy="2952328"/>
+            <a:off x="3635896" y="2348880"/>
+            <a:ext cx="1781175" cy="1600200"/>
           </a:xfrm>
           <a:prstGeom prst="rect">
             <a:avLst/>
@@ -4340,6 +4342,45 @@
           <a:chExt cx="0" cy="0"/>
         </a:xfrm>
       </p:grpSpPr>
+      <p:pic>
+        <p:nvPicPr>
+          <p:cNvPr id="1026" name="Picture 2" descr="http://i.imgur.com/mJ8BJ0s.png"/>
+          <p:cNvPicPr>
+            <a:picLocks noChangeAspect="1" noChangeArrowheads="1"/>
+          </p:cNvPicPr>
+          <p:nvPr/>
+        </p:nvPicPr>
+        <p:blipFill rotWithShape="1">
+          <a:blip r:embed="rId2">
+            <a:extLst>
+              <a:ext uri="{28A0092B-C50C-407E-A947-70E740481C1C}">
+                <a14:useLocalDpi xmlns:a14="http://schemas.microsoft.com/office/drawing/2010/main" val="0"/>
+              </a:ext>
+            </a:extLst>
+          </a:blip>
+          <a:srcRect l="4069" t="21577" r="23793" b="19849"/>
+          <a:stretch/>
+        </p:blipFill>
+        <p:spPr bwMode="auto">
+          <a:xfrm>
+            <a:off x="0" y="1052736"/>
+            <a:ext cx="9144000" cy="4176464"/>
+          </a:xfrm>
+          <a:prstGeom prst="rect">
+            <a:avLst/>
+          </a:prstGeom>
+          <a:noFill/>
+          <a:extLst>
+            <a:ext uri="{909E8E84-426E-40DD-AFC4-6F175D3DCCD1}">
+              <a14:hiddenFill xmlns:a14="http://schemas.microsoft.com/office/drawing/2010/main">
+                <a:solidFill>
+                  <a:srgbClr val="FFFFFF"/>
+                </a:solidFill>
+              </a14:hiddenFill>
+            </a:ext>
+          </a:extLst>
+        </p:spPr>
+      </p:pic>
       <p:sp>
         <p:nvSpPr>
           <p:cNvPr id="2" name="Title 1"/>
@@ -4357,151 +4398,8 @@
           <a:p>
             <a:r>
               <a:rPr lang="en-GB" dirty="0" smtClean="0"/>
-              <a:t>Reactive Extensions (Rx)</a:t>
-            </a:r>
-            <a:endParaRPr lang="en-GB" dirty="0"/>
-          </a:p>
-        </p:txBody>
-      </p:sp>
-      <p:sp>
-        <p:nvSpPr>
-          <p:cNvPr id="3" name="Content Placeholder 2"/>
-          <p:cNvSpPr>
-            <a:spLocks noGrp="1"/>
-          </p:cNvSpPr>
-          <p:nvPr>
-            <p:ph idx="1"/>
-          </p:nvPr>
-        </p:nvSpPr>
-        <p:spPr>
-          <a:xfrm>
-            <a:off x="579438" y="933885"/>
-            <a:ext cx="8412161" cy="5632015"/>
-          </a:xfrm>
-        </p:spPr>
-        <p:txBody>
-          <a:bodyPr/>
-          <a:lstStyle/>
-          <a:p>
-            <a:pPr marL="342900" indent="-342900">
-              <a:buFontTx/>
-              <a:buChar char="-"/>
-            </a:pPr>
-            <a:r>
-              <a:rPr lang="en-US" dirty="0" smtClean="0"/>
-              <a:t>Open source library from Microsoft</a:t>
-            </a:r>
-          </a:p>
-          <a:p>
-            <a:pPr marL="342900" indent="-342900">
-              <a:buFontTx/>
-              <a:buChar char="-"/>
-            </a:pPr>
-            <a:r>
-              <a:rPr lang="en-US" dirty="0" smtClean="0"/>
-              <a:t>Observable sequences (</a:t>
-            </a:r>
-            <a:r>
-              <a:rPr lang="en-US" dirty="0" err="1" smtClean="0"/>
-              <a:t>IObservable</a:t>
-            </a:r>
-            <a:r>
-              <a:rPr lang="en-US" dirty="0" smtClean="0"/>
-              <a:t> interface)</a:t>
-            </a:r>
-          </a:p>
-          <a:p>
-            <a:pPr marL="342900" indent="-342900">
-              <a:buFontTx/>
-              <a:buChar char="-"/>
-            </a:pPr>
-            <a:r>
-              <a:rPr lang="en-US" dirty="0" smtClean="0"/>
-              <a:t>LINQ-like queries</a:t>
-            </a:r>
-          </a:p>
-          <a:p>
-            <a:pPr marL="342900" indent="-342900">
-              <a:buFontTx/>
-              <a:buChar char="-"/>
-            </a:pPr>
-            <a:r>
-              <a:rPr lang="en-US" dirty="0"/>
-              <a:t>Learning </a:t>
-            </a:r>
-            <a:r>
-              <a:rPr lang="en-US" dirty="0" smtClean="0"/>
-              <a:t>resources: </a:t>
-            </a:r>
-          </a:p>
-          <a:p>
-            <a:pPr marL="608013" lvl="1" indent="-342900">
-              <a:buFontTx/>
-              <a:buChar char="-"/>
-            </a:pPr>
-            <a:r>
-              <a:rPr lang="en-US" dirty="0">
-                <a:hlinkClick r:id="rId2"/>
-              </a:rPr>
-              <a:t>http://reactivex.io</a:t>
-            </a:r>
-            <a:r>
-              <a:rPr lang="en-US" dirty="0" smtClean="0">
-                <a:hlinkClick r:id="rId2"/>
-              </a:rPr>
-              <a:t>/</a:t>
-            </a:r>
-            <a:endParaRPr lang="en-US" dirty="0" smtClean="0"/>
-          </a:p>
-          <a:p>
-            <a:pPr marL="608013" lvl="1" indent="-342900">
-              <a:buFontTx/>
-              <a:buChar char="-"/>
-            </a:pPr>
-            <a:r>
-              <a:rPr lang="en-US" dirty="0" smtClean="0">
-                <a:hlinkClick r:id="rId3"/>
-              </a:rPr>
-              <a:t>http</a:t>
-            </a:r>
-            <a:r>
-              <a:rPr lang="en-US" dirty="0">
-                <a:hlinkClick r:id="rId3"/>
-              </a:rPr>
-              <a:t>://www.introtorx.com</a:t>
-            </a:r>
-            <a:r>
-              <a:rPr lang="en-US" dirty="0" smtClean="0">
-                <a:hlinkClick r:id="rId3"/>
-              </a:rPr>
-              <a:t>/</a:t>
-            </a:r>
-            <a:endParaRPr lang="en-US" dirty="0" smtClean="0"/>
-          </a:p>
-          <a:p>
-            <a:pPr marL="608013" lvl="1" indent="-342900">
-              <a:buFontTx/>
-              <a:buChar char="-"/>
-            </a:pPr>
-            <a:r>
-              <a:rPr lang="en-GB" dirty="0">
-                <a:hlinkClick r:id="rId4"/>
-              </a:rPr>
-              <a:t>https://</a:t>
-            </a:r>
-            <a:r>
-              <a:rPr lang="en-GB" dirty="0" smtClean="0">
-                <a:hlinkClick r:id="rId4"/>
-              </a:rPr>
-              <a:t>github.com/Reactive-Extensions/Rx.NET</a:t>
-            </a:r>
-            <a:endParaRPr lang="en-GB" dirty="0" smtClean="0"/>
-          </a:p>
-          <a:p>
-            <a:pPr marL="608013" lvl="1" indent="-342900">
-              <a:buFontTx/>
-              <a:buChar char="-"/>
-            </a:pPr>
+              <a:t>Coding Time</a:t>
+            </a:r>
             <a:endParaRPr lang="en-GB" dirty="0"/>
           </a:p>
         </p:txBody>
@@ -4509,7 +4407,7 @@
     </p:spTree>
     <p:extLst>
       <p:ext uri="{BB962C8B-B14F-4D97-AF65-F5344CB8AC3E}">
-        <p14:creationId xmlns:p14="http://schemas.microsoft.com/office/powerpoint/2010/main" val="3433872819"/>
+        <p14:creationId xmlns:p14="http://schemas.microsoft.com/office/powerpoint/2010/main" val="3146438836"/>
       </p:ext>
     </p:extLst>
   </p:cSld>
@@ -4550,247 +4448,6 @@
             <a:spLocks noGrp="1"/>
           </p:cNvSpPr>
           <p:nvPr>
-            <p:ph type="title"/>
-          </p:nvPr>
-        </p:nvSpPr>
-        <p:spPr/>
-        <p:txBody>
-          <a:bodyPr/>
-          <a:lstStyle/>
-          <a:p>
-            <a:r>
-              <a:rPr lang="en-GB" dirty="0" smtClean="0"/>
-              <a:t>Case Study: Distributed Voting</a:t>
-            </a:r>
-            <a:endParaRPr lang="en-GB" dirty="0"/>
-          </a:p>
-        </p:txBody>
-      </p:sp>
-      <p:sp>
-        <p:nvSpPr>
-          <p:cNvPr id="3" name="Content Placeholder 2"/>
-          <p:cNvSpPr>
-            <a:spLocks noGrp="1"/>
-          </p:cNvSpPr>
-          <p:nvPr>
-            <p:ph idx="1"/>
-          </p:nvPr>
-        </p:nvSpPr>
-        <p:spPr>
-          <a:xfrm>
-            <a:off x="579438" y="933885"/>
-            <a:ext cx="8412161" cy="5632015"/>
-          </a:xfrm>
-        </p:spPr>
-        <p:txBody>
-          <a:bodyPr/>
-          <a:lstStyle/>
-          <a:p>
-            <a:pPr marL="342900" indent="-342900">
-              <a:buFontTx/>
-              <a:buChar char="-"/>
-            </a:pPr>
-            <a:r>
-              <a:rPr lang="en-GB" dirty="0" smtClean="0"/>
-              <a:t>E-Order system</a:t>
-            </a:r>
-          </a:p>
-          <a:p>
-            <a:pPr marL="608013" lvl="1" indent="-342900">
-              <a:buFontTx/>
-              <a:buChar char="-"/>
-            </a:pPr>
-            <a:r>
-              <a:rPr lang="en-GB" dirty="0" smtClean="0"/>
-              <a:t>Orders need to be validated by multiple parties (e.g. Credit Checker, Country Checker etc.) by casting a vote (Yes/No)</a:t>
-            </a:r>
-          </a:p>
-          <a:p>
-            <a:pPr marL="608013" lvl="1" indent="-342900">
-              <a:buFontTx/>
-              <a:buChar char="-"/>
-            </a:pPr>
-            <a:r>
-              <a:rPr lang="en-GB" dirty="0" smtClean="0"/>
-              <a:t>Validation is asynchronous</a:t>
-            </a:r>
-          </a:p>
-          <a:p>
-            <a:pPr marL="608013" lvl="1" indent="-342900">
-              <a:buFontTx/>
-              <a:buChar char="-"/>
-            </a:pPr>
-            <a:r>
-              <a:rPr lang="en-GB" dirty="0" smtClean="0"/>
-              <a:t>Validators can register in the validation engine with a subscription (with optional filter)</a:t>
-            </a:r>
-          </a:p>
-          <a:p>
-            <a:pPr marL="608013" lvl="1" indent="-342900">
-              <a:buFontTx/>
-              <a:buChar char="-"/>
-            </a:pPr>
-            <a:r>
-              <a:rPr lang="en-GB" dirty="0" smtClean="0"/>
-              <a:t>Votes must be cast within 2 seconds or they will not be counted</a:t>
-            </a:r>
-          </a:p>
-          <a:p>
-            <a:pPr marL="608013" lvl="1" indent="-342900">
-              <a:buFontTx/>
-              <a:buChar char="-"/>
-            </a:pPr>
-            <a:r>
-              <a:rPr lang="en-GB" dirty="0" smtClean="0"/>
-              <a:t>A voting result consists of all cast votes as well as the number of voters with a matching subscription</a:t>
-            </a:r>
-            <a:endParaRPr lang="en-GB" dirty="0"/>
-          </a:p>
-        </p:txBody>
-      </p:sp>
-    </p:spTree>
-    <p:extLst>
-      <p:ext uri="{BB962C8B-B14F-4D97-AF65-F5344CB8AC3E}">
-        <p14:creationId xmlns:p14="http://schemas.microsoft.com/office/powerpoint/2010/main" val="2078835989"/>
-      </p:ext>
-    </p:extLst>
-  </p:cSld>
-  <p:clrMapOvr>
-    <a:masterClrMapping/>
-  </p:clrMapOvr>
-  <p:timing>
-    <p:tnLst>
-      <p:par>
-        <p:cTn id="1" dur="indefinite" restart="never" nodeType="tmRoot"/>
-      </p:par>
-    </p:tnLst>
-  </p:timing>
-</p:sld>
-</file>
-
-<file path=ppt/slides/slide4.xml><?xml version="1.0" encoding="utf-8"?>
-<p:sld xmlns:a="http://schemas.openxmlformats.org/drawingml/2006/main" xmlns:r="http://schemas.openxmlformats.org/officeDocument/2006/relationships" xmlns:p="http://schemas.openxmlformats.org/presentationml/2006/main">
-  <p:cSld>
-    <p:spTree>
-      <p:nvGrpSpPr>
-        <p:cNvPr id="1" name=""/>
-        <p:cNvGrpSpPr/>
-        <p:nvPr/>
-      </p:nvGrpSpPr>
-      <p:grpSpPr>
-        <a:xfrm>
-          <a:off x="0" y="0"/>
-          <a:ext cx="0" cy="0"/>
-          <a:chOff x="0" y="0"/>
-          <a:chExt cx="0" cy="0"/>
-        </a:xfrm>
-      </p:grpSpPr>
-      <p:pic>
-        <p:nvPicPr>
-          <p:cNvPr id="1026" name="Picture 2" descr="http://i.imgur.com/mJ8BJ0s.png"/>
-          <p:cNvPicPr>
-            <a:picLocks noChangeAspect="1" noChangeArrowheads="1"/>
-          </p:cNvPicPr>
-          <p:nvPr/>
-        </p:nvPicPr>
-        <p:blipFill rotWithShape="1">
-          <a:blip r:embed="rId2">
-            <a:extLst>
-              <a:ext uri="{28A0092B-C50C-407E-A947-70E740481C1C}">
-                <a14:useLocalDpi xmlns:a14="http://schemas.microsoft.com/office/drawing/2010/main" val="0"/>
-              </a:ext>
-            </a:extLst>
-          </a:blip>
-          <a:srcRect l="4069" t="21577" r="23793" b="19849"/>
-          <a:stretch/>
-        </p:blipFill>
-        <p:spPr bwMode="auto">
-          <a:xfrm>
-            <a:off x="0" y="1052736"/>
-            <a:ext cx="9144000" cy="4176464"/>
-          </a:xfrm>
-          <a:prstGeom prst="rect">
-            <a:avLst/>
-          </a:prstGeom>
-          <a:noFill/>
-          <a:extLst>
-            <a:ext uri="{909E8E84-426E-40DD-AFC4-6F175D3DCCD1}">
-              <a14:hiddenFill xmlns:a14="http://schemas.microsoft.com/office/drawing/2010/main">
-                <a:solidFill>
-                  <a:srgbClr val="FFFFFF"/>
-                </a:solidFill>
-              </a14:hiddenFill>
-            </a:ext>
-          </a:extLst>
-        </p:spPr>
-      </p:pic>
-      <p:sp>
-        <p:nvSpPr>
-          <p:cNvPr id="2" name="Title 1"/>
-          <p:cNvSpPr>
-            <a:spLocks noGrp="1"/>
-          </p:cNvSpPr>
-          <p:nvPr>
-            <p:ph type="title"/>
-          </p:nvPr>
-        </p:nvSpPr>
-        <p:spPr/>
-        <p:txBody>
-          <a:bodyPr/>
-          <a:lstStyle/>
-          <a:p>
-            <a:r>
-              <a:rPr lang="en-GB" dirty="0" smtClean="0"/>
-              <a:t>Coding Time</a:t>
-            </a:r>
-            <a:endParaRPr lang="en-GB" dirty="0"/>
-          </a:p>
-        </p:txBody>
-      </p:sp>
-    </p:spTree>
-    <p:extLst>
-      <p:ext uri="{BB962C8B-B14F-4D97-AF65-F5344CB8AC3E}">
-        <p14:creationId xmlns:p14="http://schemas.microsoft.com/office/powerpoint/2010/main" val="3146438836"/>
-      </p:ext>
-    </p:extLst>
-  </p:cSld>
-  <p:clrMapOvr>
-    <a:masterClrMapping/>
-  </p:clrMapOvr>
-  <p:timing>
-    <p:tnLst>
-      <p:par>
-        <p:cTn id="1" dur="indefinite" restart="never" nodeType="tmRoot"/>
-      </p:par>
-    </p:tnLst>
-  </p:timing>
-</p:sld>
-</file>
-
-<file path=ppt/slides/slide5.xml><?xml version="1.0" encoding="utf-8"?>
-<p:sld xmlns:a="http://schemas.openxmlformats.org/drawingml/2006/main" xmlns:r="http://schemas.openxmlformats.org/officeDocument/2006/relationships" xmlns:p="http://schemas.openxmlformats.org/presentationml/2006/main">
-  <p:cSld>
-    <p:spTree>
-      <p:nvGrpSpPr>
-        <p:cNvPr id="1" name=""/>
-        <p:cNvGrpSpPr/>
-        <p:nvPr/>
-      </p:nvGrpSpPr>
-      <p:grpSpPr>
-        <a:xfrm>
-          <a:off x="0" y="0"/>
-          <a:ext cx="0" cy="0"/>
-          <a:chOff x="0" y="0"/>
-          <a:chExt cx="0" cy="0"/>
-        </a:xfrm>
-      </p:grpSpPr>
-      <p:sp>
-        <p:nvSpPr>
-          <p:cNvPr id="2" name="Title 1"/>
-          <p:cNvSpPr>
-            <a:spLocks noGrp="1"/>
-          </p:cNvSpPr>
-          <p:nvPr>
             <p:ph type="ctrTitle"/>
           </p:nvPr>
         </p:nvSpPr>
@@ -4872,8 +4529,8 @@
 <p:tagLst xmlns:a="http://schemas.openxmlformats.org/drawingml/2006/main" xmlns:r="http://schemas.openxmlformats.org/officeDocument/2006/relationships" xmlns:p="http://schemas.openxmlformats.org/presentationml/2006/main">
   <p:tag name="VERSINFO" val="ZE2106"/>
   <p:tag name="LANGUAGE" val="2057"/>
+  <p:tag name="BRAND" val="0"/>
   <p:tag name="AUTHOR" val="Jonathan Ziller"/>
-  <p:tag name="BRAND" val="0"/>
 </p:tagLst>
 </file>
 
